--- a/PythonIntro.pptx
+++ b/PythonIntro.pptx
@@ -6,23 +6,25 @@
     <p:sldMasterId id="2147483659" r:id="rId2"/>
   </p:sldMasterIdLst>
   <p:notesMasterIdLst>
-    <p:notesMasterId r:id="rId17"/>
+    <p:notesMasterId r:id="rId19"/>
   </p:notesMasterIdLst>
   <p:sldIdLst>
     <p:sldId id="273" r:id="rId3"/>
     <p:sldId id="297" r:id="rId4"/>
     <p:sldId id="287" r:id="rId5"/>
     <p:sldId id="288" r:id="rId6"/>
-    <p:sldId id="295" r:id="rId7"/>
-    <p:sldId id="314" r:id="rId8"/>
-    <p:sldId id="317" r:id="rId9"/>
-    <p:sldId id="285" r:id="rId10"/>
-    <p:sldId id="279" r:id="rId11"/>
-    <p:sldId id="284" r:id="rId12"/>
-    <p:sldId id="280" r:id="rId13"/>
-    <p:sldId id="318" r:id="rId14"/>
-    <p:sldId id="282" r:id="rId15"/>
-    <p:sldId id="268" r:id="rId16"/>
+    <p:sldId id="296" r:id="rId7"/>
+    <p:sldId id="295" r:id="rId8"/>
+    <p:sldId id="298" r:id="rId9"/>
+    <p:sldId id="314" r:id="rId10"/>
+    <p:sldId id="317" r:id="rId11"/>
+    <p:sldId id="285" r:id="rId12"/>
+    <p:sldId id="279" r:id="rId13"/>
+    <p:sldId id="284" r:id="rId14"/>
+    <p:sldId id="280" r:id="rId15"/>
+    <p:sldId id="318" r:id="rId16"/>
+    <p:sldId id="282" r:id="rId17"/>
+    <p:sldId id="268" r:id="rId18"/>
   </p:sldIdLst>
   <p:sldSz cx="12192000" cy="6858000"/>
   <p:notesSz cx="6858000" cy="9144000"/>
@@ -9211,7 +9213,7 @@
           <p:cNvPr id="2" name="Title 1">
             <a:extLst>
               <a:ext uri="{FF2B5EF4-FFF2-40B4-BE49-F238E27FC236}">
-                <a16:creationId xmlns:a16="http://schemas.microsoft.com/office/drawing/2014/main" id="{E80DE3E7-E47D-41E9-A75B-812068600340}"/>
+                <a16:creationId xmlns:a16="http://schemas.microsoft.com/office/drawing/2014/main" id="{47CCD851-5711-444B-8D9D-E957DB8FD061}"/>
               </a:ext>
             </a:extLst>
           </p:cNvPr>
@@ -9229,11 +9231,15 @@
           <a:p>
             <a:r>
               <a:rPr lang="nb-NO" dirty="0"/>
-              <a:t>Python </a:t>
+              <a:t>Python and </a:t>
             </a:r>
             <a:r>
               <a:rPr lang="nb-NO" dirty="0" err="1"/>
-              <a:t>ecosystem</a:t>
+              <a:t>Jupyter</a:t>
+            </a:r>
+            <a:r>
+              <a:rPr lang="nb-NO" dirty="0"/>
+              <a:t> Notebooks</a:t>
             </a:r>
             <a:endParaRPr lang="en-US" dirty="0"/>
           </a:p>
@@ -9244,7 +9250,7 @@
           <p:cNvPr id="3" name="Content Placeholder 2">
             <a:extLst>
               <a:ext uri="{FF2B5EF4-FFF2-40B4-BE49-F238E27FC236}">
-                <a16:creationId xmlns:a16="http://schemas.microsoft.com/office/drawing/2014/main" id="{7F9CFDA3-0F7A-452D-ACFF-4B8B631DA896}"/>
+                <a16:creationId xmlns:a16="http://schemas.microsoft.com/office/drawing/2014/main" id="{54FFAEA6-3191-4652-8BBA-8D1623363671}"/>
               </a:ext>
             </a:extLst>
           </p:cNvPr>
@@ -9260,166 +9266,7 @@
           <a:bodyPr/>
           <a:lstStyle/>
           <a:p>
-            <a:r>
-              <a:rPr lang="nb-NO" dirty="0" err="1"/>
-              <a:t>Mature</a:t>
-            </a:r>
-            <a:r>
-              <a:rPr lang="nb-NO" dirty="0"/>
-              <a:t> and fast </a:t>
-            </a:r>
-            <a:r>
-              <a:rPr lang="nb-NO" dirty="0" err="1"/>
-              <a:t>libraries</a:t>
-            </a:r>
-            <a:endParaRPr lang="nb-NO" dirty="0"/>
-          </a:p>
-          <a:p>
-            <a:r>
-              <a:rPr lang="nb-NO" dirty="0" err="1"/>
-              <a:t>Numpy</a:t>
-            </a:r>
-            <a:r>
-              <a:rPr lang="nb-NO" dirty="0"/>
-              <a:t> – </a:t>
-            </a:r>
-            <a:r>
-              <a:rPr lang="nb-NO" dirty="0" err="1"/>
-              <a:t>matrices</a:t>
-            </a:r>
-            <a:r>
-              <a:rPr lang="nb-NO" dirty="0"/>
-              <a:t> and </a:t>
-            </a:r>
-            <a:r>
-              <a:rPr lang="nb-NO" dirty="0" err="1"/>
-              <a:t>arrays</a:t>
-            </a:r>
-            <a:r>
-              <a:rPr lang="nb-NO" dirty="0"/>
-              <a:t> in Python</a:t>
-            </a:r>
-          </a:p>
-          <a:p>
-            <a:r>
-              <a:rPr lang="nb-NO" dirty="0"/>
-              <a:t>Pandas – </a:t>
-            </a:r>
-            <a:r>
-              <a:rPr lang="nb-NO" dirty="0" err="1"/>
-              <a:t>statistics</a:t>
-            </a:r>
-            <a:r>
-              <a:rPr lang="nb-NO" dirty="0"/>
-              <a:t> and data </a:t>
-            </a:r>
-            <a:r>
-              <a:rPr lang="nb-NO" dirty="0" err="1"/>
-              <a:t>analysis</a:t>
-            </a:r>
-            <a:endParaRPr lang="nb-NO" dirty="0"/>
-          </a:p>
-          <a:p>
-            <a:r>
-              <a:rPr lang="nb-NO" dirty="0" err="1"/>
-              <a:t>Scikit-learn</a:t>
-            </a:r>
-            <a:r>
-              <a:rPr lang="nb-NO" dirty="0"/>
-              <a:t> – Machine </a:t>
-            </a:r>
-            <a:r>
-              <a:rPr lang="nb-NO" dirty="0" err="1"/>
-              <a:t>learning</a:t>
-            </a:r>
-            <a:r>
-              <a:rPr lang="nb-NO" dirty="0"/>
-              <a:t> (</a:t>
-            </a:r>
-            <a:r>
-              <a:rPr lang="nb-NO" dirty="0" err="1"/>
-              <a:t>see</a:t>
-            </a:r>
-            <a:r>
-              <a:rPr lang="nb-NO" dirty="0"/>
-              <a:t> 2018 </a:t>
-            </a:r>
-            <a:r>
-              <a:rPr lang="nb-NO" dirty="0" err="1"/>
-              <a:t>winter</a:t>
-            </a:r>
-            <a:r>
-              <a:rPr lang="nb-NO" dirty="0"/>
-              <a:t> </a:t>
-            </a:r>
-            <a:r>
-              <a:rPr lang="nb-NO" dirty="0" err="1"/>
-              <a:t>school</a:t>
-            </a:r>
-            <a:r>
-              <a:rPr lang="nb-NO" dirty="0"/>
-              <a:t>!)</a:t>
-            </a:r>
-          </a:p>
-          <a:p>
-            <a:r>
-              <a:rPr lang="nb-NO" dirty="0" err="1"/>
-              <a:t>Matplotlib</a:t>
-            </a:r>
-            <a:r>
-              <a:rPr lang="nb-NO" dirty="0"/>
-              <a:t> – </a:t>
-            </a:r>
-            <a:r>
-              <a:rPr lang="nb-NO" dirty="0" err="1"/>
-              <a:t>interactive</a:t>
-            </a:r>
-            <a:r>
-              <a:rPr lang="nb-NO" dirty="0"/>
-              <a:t> plotting </a:t>
-            </a:r>
-            <a:r>
-              <a:rPr lang="nb-NO" dirty="0" err="1"/>
-              <a:t>similar</a:t>
-            </a:r>
-            <a:r>
-              <a:rPr lang="nb-NO" dirty="0"/>
-              <a:t> to </a:t>
-            </a:r>
-            <a:r>
-              <a:rPr lang="nb-NO" dirty="0" err="1"/>
-              <a:t>Matlab</a:t>
-            </a:r>
-            <a:endParaRPr lang="nb-NO" dirty="0"/>
-          </a:p>
-          <a:p>
-            <a:r>
-              <a:rPr lang="nb-NO" dirty="0" err="1"/>
-              <a:t>Mayavi</a:t>
-            </a:r>
-            <a:r>
-              <a:rPr lang="nb-NO" dirty="0"/>
-              <a:t> – 3D </a:t>
-            </a:r>
-            <a:r>
-              <a:rPr lang="nb-NO" dirty="0" err="1"/>
-              <a:t>interactive</a:t>
-            </a:r>
-            <a:r>
-              <a:rPr lang="nb-NO" dirty="0"/>
-              <a:t> </a:t>
-            </a:r>
-            <a:r>
-              <a:rPr lang="nb-NO" dirty="0" err="1"/>
-              <a:t>visualization</a:t>
-            </a:r>
-            <a:endParaRPr lang="nb-NO" dirty="0"/>
-          </a:p>
-          <a:p>
-            <a:r>
-              <a:rPr lang="nb-NO" dirty="0"/>
-              <a:t>…</a:t>
-            </a:r>
+            <a:endParaRPr lang="en-US"/>
           </a:p>
         </p:txBody>
       </p:sp>
@@ -9428,7 +9275,7 @@
           <p:cNvPr id="4" name="Slide Number Placeholder 3">
             <a:extLst>
               <a:ext uri="{FF2B5EF4-FFF2-40B4-BE49-F238E27FC236}">
-                <a16:creationId xmlns:a16="http://schemas.microsoft.com/office/drawing/2014/main" id="{BF663DBE-8993-4E57-B471-9BF1397CDE0D}"/>
+                <a16:creationId xmlns:a16="http://schemas.microsoft.com/office/drawing/2014/main" id="{A3BC1274-56A2-46CC-BF07-085255487A45}"/>
               </a:ext>
             </a:extLst>
           </p:cNvPr>
@@ -9455,7 +9302,7 @@
     </p:spTree>
     <p:extLst>
       <p:ext uri="{BB962C8B-B14F-4D97-AF65-F5344CB8AC3E}">
-        <p14:creationId xmlns:p14="http://schemas.microsoft.com/office/powerpoint/2010/main" val="2336374496"/>
+        <p14:creationId xmlns:p14="http://schemas.microsoft.com/office/powerpoint/2010/main" val="3722999792"/>
       </p:ext>
     </p:extLst>
   </p:cSld>
@@ -9484,13 +9331,7 @@
       </p:grpSpPr>
       <p:sp>
         <p:nvSpPr>
-          <p:cNvPr id="2" name="Title 1">
-            <a:extLst>
-              <a:ext uri="{FF2B5EF4-FFF2-40B4-BE49-F238E27FC236}">
-                <a16:creationId xmlns:a16="http://schemas.microsoft.com/office/drawing/2014/main" id="{8D7A8F4F-E7BE-494A-877B-838FE0A7472F}"/>
-              </a:ext>
-            </a:extLst>
-          </p:cNvPr>
+          <p:cNvPr id="2" name="Tittel 1"/>
           <p:cNvSpPr>
             <a:spLocks noGrp="1"/>
           </p:cNvSpPr>
@@ -9504,49 +9345,147 @@
           <a:lstStyle/>
           <a:p>
             <a:r>
+              <a:rPr lang="nb-NO" dirty="0"/>
+              <a:t>Python</a:t>
+            </a:r>
+          </a:p>
+        </p:txBody>
+      </p:sp>
+      <p:sp>
+        <p:nvSpPr>
+          <p:cNvPr id="3" name="Plassholder for innhold 2"/>
+          <p:cNvSpPr>
+            <a:spLocks noGrp="1"/>
+          </p:cNvSpPr>
+          <p:nvPr>
+            <p:ph idx="1"/>
+          </p:nvPr>
+        </p:nvSpPr>
+        <p:spPr/>
+        <p:txBody>
+          <a:bodyPr/>
+          <a:lstStyle/>
+          <a:p>
+            <a:r>
               <a:rPr lang="nb-NO" dirty="0" err="1"/>
-              <a:t>Jupyter</a:t>
-            </a:r>
-            <a:r>
-              <a:rPr lang="nb-NO" dirty="0"/>
-              <a:t> Notebook</a:t>
-            </a:r>
-            <a:endParaRPr lang="en-US" dirty="0"/>
-          </a:p>
-        </p:txBody>
-      </p:sp>
-      <p:sp>
-        <p:nvSpPr>
-          <p:cNvPr id="3" name="Content Placeholder 2">
-            <a:extLst>
-              <a:ext uri="{FF2B5EF4-FFF2-40B4-BE49-F238E27FC236}">
-                <a16:creationId xmlns:a16="http://schemas.microsoft.com/office/drawing/2014/main" id="{894F9090-095C-4920-A128-02592BD07B97}"/>
-              </a:ext>
-            </a:extLst>
-          </p:cNvPr>
-          <p:cNvSpPr>
-            <a:spLocks noGrp="1"/>
-          </p:cNvSpPr>
-          <p:nvPr>
-            <p:ph idx="1"/>
-          </p:nvPr>
-        </p:nvSpPr>
-        <p:spPr/>
-        <p:txBody>
-          <a:bodyPr/>
-          <a:lstStyle/>
-          <a:p>
-            <a:r>
-              <a:rPr lang="nb-NO" dirty="0"/>
-              <a:t>Major part </a:t>
+              <a:t>Almost</a:t>
+            </a:r>
+            <a:r>
+              <a:rPr lang="nb-NO" dirty="0"/>
+              <a:t> 30 </a:t>
             </a:r>
             <a:r>
               <a:rPr lang="nb-NO" dirty="0" err="1"/>
-              <a:t>of</a:t>
-            </a:r>
-            <a:r>
-              <a:rPr lang="nb-NO" dirty="0"/>
-              <a:t> 2013 Geilo Winter School </a:t>
+              <a:t>years</a:t>
+            </a:r>
+            <a:r>
+              <a:rPr lang="nb-NO" dirty="0"/>
+              <a:t> old!</a:t>
+            </a:r>
+          </a:p>
+          <a:p>
+            <a:endParaRPr lang="nb-NO" dirty="0"/>
+          </a:p>
+          <a:p>
+            <a:r>
+              <a:rPr lang="nb-NO" dirty="0" err="1"/>
+              <a:t>Two</a:t>
+            </a:r>
+            <a:r>
+              <a:rPr lang="nb-NO" dirty="0"/>
+              <a:t> "</a:t>
+            </a:r>
+            <a:r>
+              <a:rPr lang="nb-NO" dirty="0" err="1"/>
+              <a:t>versions</a:t>
+            </a:r>
+            <a:r>
+              <a:rPr lang="nb-NO" dirty="0"/>
+              <a:t>"</a:t>
+            </a:r>
+          </a:p>
+          <a:p>
+            <a:pPr lvl="1"/>
+            <a:r>
+              <a:rPr lang="nb-NO" dirty="0"/>
+              <a:t>"Jurassic" </a:t>
+            </a:r>
+            <a:r>
+              <a:rPr lang="nb-NO" dirty="0" err="1"/>
+              <a:t>version</a:t>
+            </a:r>
+            <a:r>
+              <a:rPr lang="nb-NO" dirty="0"/>
+              <a:t> 2.7</a:t>
+            </a:r>
+          </a:p>
+          <a:p>
+            <a:pPr lvl="1"/>
+            <a:r>
+              <a:rPr lang="nb-NO" dirty="0" err="1"/>
+              <a:t>Modern</a:t>
+            </a:r>
+            <a:r>
+              <a:rPr lang="nb-NO" dirty="0"/>
+              <a:t> </a:t>
+            </a:r>
+            <a:r>
+              <a:rPr lang="nb-NO" dirty="0" err="1"/>
+              <a:t>version</a:t>
+            </a:r>
+            <a:r>
+              <a:rPr lang="nb-NO" dirty="0"/>
+              <a:t> 3.x</a:t>
+            </a:r>
+          </a:p>
+          <a:p>
+            <a:pPr lvl="1"/>
+            <a:r>
+              <a:rPr lang="nb-NO" dirty="0" err="1"/>
+              <a:t>Mostly</a:t>
+            </a:r>
+            <a:r>
+              <a:rPr lang="nb-NO" dirty="0"/>
+              <a:t> </a:t>
+            </a:r>
+            <a:r>
+              <a:rPr lang="nb-NO" dirty="0" err="1"/>
+              <a:t>compatible</a:t>
+            </a:r>
+            <a:r>
+              <a:rPr lang="nb-NO" dirty="0"/>
+              <a:t> </a:t>
+            </a:r>
+            <a:r>
+              <a:rPr lang="nb-NO" dirty="0" err="1"/>
+              <a:t>with</a:t>
+            </a:r>
+            <a:r>
+              <a:rPr lang="nb-NO" dirty="0"/>
+              <a:t> </a:t>
+            </a:r>
+            <a:r>
+              <a:rPr lang="nb-NO" dirty="0" err="1"/>
+              <a:t>each</a:t>
+            </a:r>
+            <a:r>
+              <a:rPr lang="nb-NO" dirty="0"/>
+              <a:t> </a:t>
+            </a:r>
+            <a:r>
+              <a:rPr lang="nb-NO" dirty="0" err="1"/>
+              <a:t>other</a:t>
+            </a:r>
+            <a:endParaRPr lang="nb-NO" dirty="0"/>
+          </a:p>
+          <a:p>
+            <a:pPr lvl="1"/>
+            <a:endParaRPr lang="nb-NO" dirty="0"/>
+          </a:p>
+          <a:p>
+            <a:r>
+              <a:rPr lang="nb-NO" dirty="0"/>
+              <a:t>Runs </a:t>
             </a:r>
             <a:r>
               <a:rPr lang="nb-NO" dirty="0" err="1"/>
@@ -9558,107 +9497,26 @@
             </a:r>
             <a:r>
               <a:rPr lang="nb-NO" dirty="0" err="1"/>
-              <a:t>Reproducible</a:t>
-            </a:r>
-            <a:r>
-              <a:rPr lang="nb-NO" dirty="0"/>
-              <a:t> Research</a:t>
-            </a:r>
-          </a:p>
-          <a:p>
-            <a:endParaRPr lang="nb-NO" dirty="0"/>
-          </a:p>
-          <a:p>
-            <a:r>
-              <a:rPr lang="nb-NO" dirty="0"/>
-              <a:t>Makes Python </a:t>
+              <a:t>everything</a:t>
+            </a:r>
+            <a:r>
+              <a:rPr lang="nb-NO" dirty="0"/>
+              <a:t> from </a:t>
             </a:r>
             <a:r>
               <a:rPr lang="nb-NO" dirty="0" err="1"/>
-              <a:t>interactive</a:t>
-            </a:r>
-            <a:r>
-              <a:rPr lang="nb-NO" dirty="0"/>
-              <a:t> (</a:t>
-            </a:r>
-            <a:r>
-              <a:rPr lang="nb-NO" dirty="0" err="1"/>
-              <a:t>what</a:t>
-            </a:r>
-            <a:r>
-              <a:rPr lang="nb-NO" dirty="0"/>
-              <a:t> Julien is </a:t>
-            </a:r>
-            <a:r>
-              <a:rPr lang="nb-NO" dirty="0" err="1"/>
-              <a:t>using</a:t>
-            </a:r>
-            <a:r>
-              <a:rPr lang="nb-NO" dirty="0"/>
-              <a:t>) </a:t>
-            </a:r>
-          </a:p>
-          <a:p>
-            <a:endParaRPr lang="nb-NO" dirty="0"/>
-          </a:p>
-          <a:p>
-            <a:r>
-              <a:rPr lang="nb-NO" dirty="0"/>
-              <a:t>REPL </a:t>
-            </a:r>
-            <a:r>
-              <a:rPr lang="nb-NO" dirty="0" err="1"/>
-              <a:t>environment</a:t>
-            </a:r>
-            <a:br>
-              <a:rPr lang="nb-NO" dirty="0"/>
-            </a:br>
-            <a:r>
-              <a:rPr lang="nb-NO" dirty="0"/>
-              <a:t>Read-</a:t>
-            </a:r>
-            <a:r>
-              <a:rPr lang="nb-NO" dirty="0" err="1"/>
-              <a:t>Eval</a:t>
-            </a:r>
-            <a:r>
-              <a:rPr lang="nb-NO" dirty="0"/>
-              <a:t>-</a:t>
-            </a:r>
-            <a:r>
-              <a:rPr lang="nb-NO" dirty="0" err="1"/>
-              <a:t>Print</a:t>
-            </a:r>
-            <a:r>
-              <a:rPr lang="nb-NO" dirty="0"/>
-              <a:t>-loop</a:t>
-            </a:r>
-          </a:p>
-          <a:p>
-            <a:endParaRPr lang="nb-NO" dirty="0"/>
-          </a:p>
-          <a:p>
-            <a:r>
-              <a:rPr lang="nb-NO" dirty="0"/>
-              <a:t>Interactive prototyping </a:t>
-            </a:r>
-            <a:r>
-              <a:rPr lang="nb-NO" dirty="0" err="1"/>
-              <a:t>workbench</a:t>
-            </a:r>
-            <a:endParaRPr lang="nb-NO" dirty="0"/>
-          </a:p>
-        </p:txBody>
-      </p:sp>
-      <p:sp>
-        <p:nvSpPr>
-          <p:cNvPr id="4" name="Slide Number Placeholder 3">
-            <a:extLst>
-              <a:ext uri="{FF2B5EF4-FFF2-40B4-BE49-F238E27FC236}">
-                <a16:creationId xmlns:a16="http://schemas.microsoft.com/office/drawing/2014/main" id="{933E9F91-E76E-4BF4-A203-25D9A11C2075}"/>
-              </a:ext>
-            </a:extLst>
-          </p:cNvPr>
+              <a:t>cellphones</a:t>
+            </a:r>
+            <a:r>
+              <a:rPr lang="nb-NO" dirty="0"/>
+              <a:t> to supercomputers</a:t>
+            </a:r>
+          </a:p>
+        </p:txBody>
+      </p:sp>
+      <p:sp>
+        <p:nvSpPr>
+          <p:cNvPr id="4" name="Plassholder for lysbildenummer 3"/>
           <p:cNvSpPr>
             <a:spLocks noGrp="1"/>
           </p:cNvSpPr>
@@ -9679,10 +9537,70 @@
           </a:p>
         </p:txBody>
       </p:sp>
+      <p:pic>
+        <p:nvPicPr>
+          <p:cNvPr id="5" name="Picture 4">
+            <a:extLst>
+              <a:ext uri="{FF2B5EF4-FFF2-40B4-BE49-F238E27FC236}">
+                <a16:creationId xmlns:a16="http://schemas.microsoft.com/office/drawing/2014/main" id="{A0DB053A-FD8A-4B1E-8AE3-25806DD4CD92}"/>
+              </a:ext>
+            </a:extLst>
+          </p:cNvPr>
+          <p:cNvPicPr>
+            <a:picLocks noChangeAspect="1"/>
+          </p:cNvPicPr>
+          <p:nvPr/>
+        </p:nvPicPr>
+        <p:blipFill>
+          <a:blip r:embed="rId2"/>
+          <a:stretch>
+            <a:fillRect/>
+          </a:stretch>
+        </p:blipFill>
+        <p:spPr>
+          <a:xfrm>
+            <a:off x="8315864" y="749653"/>
+            <a:ext cx="3512321" cy="5371114"/>
+          </a:xfrm>
+          <a:prstGeom prst="rect">
+            <a:avLst/>
+          </a:prstGeom>
+        </p:spPr>
+      </p:pic>
+      <p:pic>
+        <p:nvPicPr>
+          <p:cNvPr id="6" name="Picture 5">
+            <a:extLst>
+              <a:ext uri="{FF2B5EF4-FFF2-40B4-BE49-F238E27FC236}">
+                <a16:creationId xmlns:a16="http://schemas.microsoft.com/office/drawing/2014/main" id="{8069E5D3-3CD2-440C-8218-F6283B0C592F}"/>
+              </a:ext>
+            </a:extLst>
+          </p:cNvPr>
+          <p:cNvPicPr>
+            <a:picLocks noChangeAspect="1"/>
+          </p:cNvPicPr>
+          <p:nvPr/>
+        </p:nvPicPr>
+        <p:blipFill>
+          <a:blip r:embed="rId3"/>
+          <a:stretch>
+            <a:fillRect/>
+          </a:stretch>
+        </p:blipFill>
+        <p:spPr>
+          <a:xfrm>
+            <a:off x="5149970" y="690458"/>
+            <a:ext cx="2286000" cy="1629228"/>
+          </a:xfrm>
+          <a:prstGeom prst="rect">
+            <a:avLst/>
+          </a:prstGeom>
+        </p:spPr>
+      </p:pic>
     </p:spTree>
     <p:extLst>
       <p:ext uri="{BB962C8B-B14F-4D97-AF65-F5344CB8AC3E}">
-        <p14:creationId xmlns:p14="http://schemas.microsoft.com/office/powerpoint/2010/main" val="1975005177"/>
+        <p14:creationId xmlns:p14="http://schemas.microsoft.com/office/powerpoint/2010/main" val="3818408491"/>
       </p:ext>
     </p:extLst>
   </p:cSld>
@@ -9714,7 +9632,7 @@
           <p:cNvPr id="2" name="Title 1">
             <a:extLst>
               <a:ext uri="{FF2B5EF4-FFF2-40B4-BE49-F238E27FC236}">
-                <a16:creationId xmlns:a16="http://schemas.microsoft.com/office/drawing/2014/main" id="{ABA0E933-4003-4C65-A78F-65E407EF15FB}"/>
+                <a16:creationId xmlns:a16="http://schemas.microsoft.com/office/drawing/2014/main" id="{E80DE3E7-E47D-41E9-A75B-812068600340}"/>
               </a:ext>
             </a:extLst>
           </p:cNvPr>
@@ -9731,16 +9649,12 @@
           <a:lstStyle/>
           <a:p>
             <a:r>
+              <a:rPr lang="nb-NO" dirty="0"/>
+              <a:t>Python </a:t>
+            </a:r>
+            <a:r>
               <a:rPr lang="nb-NO" dirty="0" err="1"/>
-              <a:t>Exercise</a:t>
-            </a:r>
-            <a:r>
-              <a:rPr lang="nb-NO" dirty="0"/>
-              <a:t> 1: Plot unit </a:t>
-            </a:r>
-            <a:r>
-              <a:rPr lang="nb-NO" dirty="0" err="1"/>
-              <a:t>circle</a:t>
+              <a:t>ecosystem</a:t>
             </a:r>
             <a:endParaRPr lang="en-US" dirty="0"/>
           </a:p>
@@ -9751,7 +9665,7 @@
           <p:cNvPr id="3" name="Content Placeholder 2">
             <a:extLst>
               <a:ext uri="{FF2B5EF4-FFF2-40B4-BE49-F238E27FC236}">
-                <a16:creationId xmlns:a16="http://schemas.microsoft.com/office/drawing/2014/main" id="{C583B6BF-773E-46E2-A2B0-0D1FDB05E343}"/>
+                <a16:creationId xmlns:a16="http://schemas.microsoft.com/office/drawing/2014/main" id="{7F9CFDA3-0F7A-452D-ACFF-4B8B631DA896}"/>
               </a:ext>
             </a:extLst>
           </p:cNvPr>
@@ -9762,121 +9676,155 @@
             <p:ph idx="1"/>
           </p:nvPr>
         </p:nvSpPr>
-        <p:spPr>
-          <a:xfrm>
-            <a:off x="954182" y="1814608"/>
-            <a:ext cx="9001711" cy="4306159"/>
-          </a:xfrm>
-        </p:spPr>
+        <p:spPr/>
         <p:txBody>
           <a:bodyPr/>
           <a:lstStyle/>
           <a:p>
             <a:r>
-              <a:rPr lang="nb-NO" dirty="0"/>
-              <a:t>Unit </a:t>
-            </a:r>
-            <a:r>
               <a:rPr lang="nb-NO" dirty="0" err="1"/>
-              <a:t>circle</a:t>
-            </a:r>
-            <a:r>
-              <a:rPr lang="nb-NO" dirty="0"/>
-              <a:t>: y = +/- </a:t>
+              <a:t>Mature</a:t>
+            </a:r>
+            <a:r>
+              <a:rPr lang="nb-NO" dirty="0"/>
+              <a:t> and fast </a:t>
             </a:r>
             <a:r>
               <a:rPr lang="nb-NO" dirty="0" err="1"/>
-              <a:t>sqrt</a:t>
-            </a:r>
-            <a:r>
-              <a:rPr lang="nb-NO" dirty="0"/>
-              <a:t>(1 – x^2)</a:t>
-            </a:r>
-          </a:p>
-          <a:p>
+              <a:t>libraries</a:t>
+            </a:r>
             <a:endParaRPr lang="nb-NO" dirty="0"/>
           </a:p>
           <a:p>
             <a:r>
-              <a:rPr lang="nb-NO" dirty="0"/>
-              <a:t>import </a:t>
-            </a:r>
-            <a:r>
               <a:rPr lang="nb-NO" dirty="0" err="1"/>
-              <a:t>numpy</a:t>
-            </a:r>
-            <a:r>
-              <a:rPr lang="nb-NO" dirty="0"/>
-              <a:t> as </a:t>
+              <a:t>Numpy</a:t>
+            </a:r>
+            <a:r>
+              <a:rPr lang="nb-NO" dirty="0"/>
+              <a:t> – </a:t>
             </a:r>
             <a:r>
               <a:rPr lang="nb-NO" dirty="0" err="1"/>
-              <a:t>np</a:t>
-            </a:r>
-            <a:br>
-              <a:rPr lang="en-US" dirty="0"/>
-            </a:br>
-            <a:r>
-              <a:rPr lang="en-US" dirty="0"/>
-              <a:t>from matplotlib import </a:t>
-            </a:r>
-            <a:r>
-              <a:rPr lang="en-US" dirty="0" err="1"/>
-              <a:t>pyplot</a:t>
-            </a:r>
-            <a:r>
-              <a:rPr lang="en-US" dirty="0"/>
-              <a:t> as </a:t>
-            </a:r>
-            <a:r>
-              <a:rPr lang="en-US" dirty="0" err="1"/>
-              <a:t>plt</a:t>
+              <a:t>matrices</a:t>
+            </a:r>
+            <a:r>
+              <a:rPr lang="nb-NO" dirty="0"/>
+              <a:t> and </a:t>
+            </a:r>
+            <a:r>
+              <a:rPr lang="nb-NO" dirty="0" err="1"/>
+              <a:t>arrays</a:t>
+            </a:r>
+            <a:r>
+              <a:rPr lang="nb-NO" dirty="0"/>
+              <a:t> in Python</a:t>
+            </a:r>
+          </a:p>
+          <a:p>
+            <a:r>
+              <a:rPr lang="nb-NO" dirty="0"/>
+              <a:t>Pandas – </a:t>
+            </a:r>
+            <a:r>
+              <a:rPr lang="nb-NO" dirty="0" err="1"/>
+              <a:t>statistics</a:t>
+            </a:r>
+            <a:r>
+              <a:rPr lang="nb-NO" dirty="0"/>
+              <a:t> and data </a:t>
+            </a:r>
+            <a:r>
+              <a:rPr lang="nb-NO" dirty="0" err="1"/>
+              <a:t>analysis</a:t>
             </a:r>
             <a:endParaRPr lang="nb-NO" dirty="0"/>
           </a:p>
           <a:p>
             <a:r>
-              <a:rPr lang="nb-NO" dirty="0"/>
-              <a:t>G</a:t>
-            </a:r>
-            <a:r>
-              <a:rPr lang="en-US" dirty="0" err="1"/>
-              <a:t>enerate</a:t>
-            </a:r>
-            <a:r>
-              <a:rPr lang="en-US" dirty="0"/>
+              <a:rPr lang="nb-NO" dirty="0" err="1"/>
+              <a:t>Scikit-learn</a:t>
+            </a:r>
+            <a:r>
+              <a:rPr lang="nb-NO" dirty="0"/>
+              <a:t> – Machine </a:t>
+            </a:r>
+            <a:r>
+              <a:rPr lang="nb-NO" dirty="0" err="1"/>
+              <a:t>learning</a:t>
+            </a:r>
+            <a:r>
+              <a:rPr lang="nb-NO" dirty="0"/>
+              <a:t> (</a:t>
+            </a:r>
+            <a:r>
+              <a:rPr lang="nb-NO" dirty="0" err="1"/>
+              <a:t>see</a:t>
+            </a:r>
+            <a:r>
+              <a:rPr lang="nb-NO" dirty="0"/>
+              <a:t> 2018 </a:t>
+            </a:r>
+            <a:r>
+              <a:rPr lang="nb-NO" dirty="0" err="1"/>
+              <a:t>winter</a:t>
+            </a:r>
+            <a:r>
+              <a:rPr lang="nb-NO" dirty="0"/>
               <a:t> </a:t>
             </a:r>
             <a:r>
-              <a:rPr lang="nb-NO" dirty="0"/>
-              <a:t>x as a linear </a:t>
-            </a:r>
-            <a:r>
               <a:rPr lang="nb-NO" dirty="0" err="1"/>
-              <a:t>space</a:t>
-            </a:r>
-            <a:r>
-              <a:rPr lang="nb-NO" dirty="0"/>
-              <a:t> (</a:t>
-            </a:r>
+              <a:t>school</a:t>
+            </a:r>
+            <a:r>
+              <a:rPr lang="nb-NO" dirty="0"/>
+              <a:t>!)</a:t>
+            </a:r>
+          </a:p>
+          <a:p>
             <a:r>
               <a:rPr lang="nb-NO" dirty="0" err="1"/>
-              <a:t>linspace</a:t>
-            </a:r>
-            <a:r>
-              <a:rPr lang="nb-NO" dirty="0"/>
-              <a:t>) in </a:t>
+              <a:t>Matplotlib</a:t>
+            </a:r>
+            <a:r>
+              <a:rPr lang="nb-NO" dirty="0"/>
+              <a:t> – </a:t>
             </a:r>
             <a:r>
               <a:rPr lang="nb-NO" dirty="0" err="1"/>
-              <a:t>numpy</a:t>
+              <a:t>interactive</a:t>
+            </a:r>
+            <a:r>
+              <a:rPr lang="nb-NO" dirty="0"/>
+              <a:t> plotting </a:t>
+            </a:r>
+            <a:r>
+              <a:rPr lang="nb-NO" dirty="0" err="1"/>
+              <a:t>similar</a:t>
+            </a:r>
+            <a:r>
+              <a:rPr lang="nb-NO" dirty="0"/>
+              <a:t> to </a:t>
+            </a:r>
+            <a:r>
+              <a:rPr lang="nb-NO" dirty="0" err="1"/>
+              <a:t>Matlab</a:t>
             </a:r>
             <a:endParaRPr lang="nb-NO" dirty="0"/>
           </a:p>
           <a:p>
             <a:r>
               <a:rPr lang="nb-NO" dirty="0" err="1"/>
-              <a:t>Use</a:t>
+              <a:t>Mayavi</a:t>
+            </a:r>
+            <a:r>
+              <a:rPr lang="nb-NO" dirty="0"/>
+              <a:t> – 3D </a:t>
+            </a:r>
+            <a:r>
+              <a:rPr lang="nb-NO" dirty="0" err="1"/>
+              <a:t>interactive</a:t>
             </a:r>
             <a:r>
               <a:rPr lang="nb-NO" dirty="0"/>
@@ -9884,111 +9832,15 @@
             </a:r>
             <a:r>
               <a:rPr lang="nb-NO" dirty="0" err="1"/>
-              <a:t>sqrt</a:t>
-            </a:r>
-            <a:r>
-              <a:rPr lang="nb-NO" dirty="0"/>
-              <a:t> from </a:t>
-            </a:r>
-            <a:r>
-              <a:rPr lang="nb-NO" dirty="0" err="1"/>
-              <a:t>numpy</a:t>
-            </a:r>
-            <a:r>
-              <a:rPr lang="nb-NO" dirty="0"/>
-              <a:t> to </a:t>
-            </a:r>
-            <a:r>
-              <a:rPr lang="nb-NO" dirty="0" err="1"/>
-              <a:t>generate</a:t>
-            </a:r>
-            <a:r>
-              <a:rPr lang="nb-NO" dirty="0"/>
-              <a:t> y</a:t>
-            </a:r>
-          </a:p>
-          <a:p>
-            <a:r>
-              <a:rPr lang="nb-NO" dirty="0" err="1"/>
-              <a:t>Use</a:t>
-            </a:r>
-            <a:r>
-              <a:rPr lang="nb-NO" dirty="0"/>
-              <a:t> </a:t>
-            </a:r>
-            <a:r>
-              <a:rPr lang="nb-NO" dirty="0" err="1"/>
-              <a:t>plt.plot</a:t>
-            </a:r>
-            <a:r>
-              <a:rPr lang="nb-NO" dirty="0"/>
-              <a:t>(x, y, 'r.-') to plot</a:t>
-            </a:r>
-          </a:p>
-          <a:p>
+              <a:t>visualization</a:t>
+            </a:r>
             <a:endParaRPr lang="nb-NO" dirty="0"/>
           </a:p>
           <a:p>
             <a:r>
-              <a:rPr lang="nb-NO" dirty="0" err="1"/>
-              <a:t>Use</a:t>
-            </a:r>
-            <a:r>
-              <a:rPr lang="nb-NO" dirty="0"/>
-              <a:t> </a:t>
-            </a:r>
-            <a:r>
-              <a:rPr lang="nb-NO" dirty="0" err="1"/>
-              <a:t>question</a:t>
-            </a:r>
-            <a:r>
-              <a:rPr lang="nb-NO" dirty="0"/>
-              <a:t> mark (?) to </a:t>
-            </a:r>
-            <a:r>
-              <a:rPr lang="nb-NO" dirty="0" err="1"/>
-              <a:t>get</a:t>
-            </a:r>
-            <a:r>
-              <a:rPr lang="nb-NO" dirty="0"/>
-              <a:t> </a:t>
-            </a:r>
-            <a:r>
-              <a:rPr lang="nb-NO" dirty="0" err="1"/>
-              <a:t>help</a:t>
-            </a:r>
-            <a:r>
-              <a:rPr lang="nb-NO" dirty="0"/>
-              <a:t> </a:t>
-            </a:r>
-            <a:r>
-              <a:rPr lang="nb-NO" dirty="0" err="1"/>
-              <a:t>on</a:t>
-            </a:r>
-            <a:r>
-              <a:rPr lang="nb-NO" dirty="0"/>
-              <a:t> </a:t>
-            </a:r>
-            <a:r>
-              <a:rPr lang="nb-NO" dirty="0" err="1"/>
-              <a:t>commands</a:t>
-            </a:r>
-            <a:r>
-              <a:rPr lang="nb-NO" dirty="0"/>
-              <a:t>!</a:t>
-            </a:r>
-            <a:endParaRPr lang="en-US" dirty="0"/>
-          </a:p>
-          <a:p>
-            <a:r>
-              <a:rPr lang="nb-NO" dirty="0"/>
-              <a:t>A</a:t>
-            </a:r>
-            <a:r>
-              <a:rPr lang="en-US" dirty="0"/>
-              <a:t>dd legend, change plot color, line type, add marker</a:t>
-            </a:r>
-            <a:endParaRPr lang="nb-NO" dirty="0"/>
+              <a:rPr lang="nb-NO" dirty="0"/>
+              <a:t>…</a:t>
+            </a:r>
           </a:p>
         </p:txBody>
       </p:sp>
@@ -9997,7 +9849,7 @@
           <p:cNvPr id="4" name="Slide Number Placeholder 3">
             <a:extLst>
               <a:ext uri="{FF2B5EF4-FFF2-40B4-BE49-F238E27FC236}">
-                <a16:creationId xmlns:a16="http://schemas.microsoft.com/office/drawing/2014/main" id="{4227C80A-38F8-4C75-9527-38D83DE08B73}"/>
+                <a16:creationId xmlns:a16="http://schemas.microsoft.com/office/drawing/2014/main" id="{BF663DBE-8993-4E57-B471-9BF1397CDE0D}"/>
               </a:ext>
             </a:extLst>
           </p:cNvPr>
@@ -10024,7 +9876,7 @@
     </p:spTree>
     <p:extLst>
       <p:ext uri="{BB962C8B-B14F-4D97-AF65-F5344CB8AC3E}">
-        <p14:creationId xmlns:p14="http://schemas.microsoft.com/office/powerpoint/2010/main" val="2291048182"/>
+        <p14:creationId xmlns:p14="http://schemas.microsoft.com/office/powerpoint/2010/main" val="2336374496"/>
       </p:ext>
     </p:extLst>
   </p:cSld>
@@ -10056,6 +9908,575 @@
           <p:cNvPr id="2" name="Title 1">
             <a:extLst>
               <a:ext uri="{FF2B5EF4-FFF2-40B4-BE49-F238E27FC236}">
+                <a16:creationId xmlns:a16="http://schemas.microsoft.com/office/drawing/2014/main" id="{8D7A8F4F-E7BE-494A-877B-838FE0A7472F}"/>
+              </a:ext>
+            </a:extLst>
+          </p:cNvPr>
+          <p:cNvSpPr>
+            <a:spLocks noGrp="1"/>
+          </p:cNvSpPr>
+          <p:nvPr>
+            <p:ph type="title"/>
+          </p:nvPr>
+        </p:nvSpPr>
+        <p:spPr/>
+        <p:txBody>
+          <a:bodyPr/>
+          <a:lstStyle/>
+          <a:p>
+            <a:r>
+              <a:rPr lang="nb-NO" dirty="0" err="1"/>
+              <a:t>Jupyter</a:t>
+            </a:r>
+            <a:r>
+              <a:rPr lang="nb-NO" dirty="0"/>
+              <a:t> Notebook</a:t>
+            </a:r>
+            <a:endParaRPr lang="en-US" dirty="0"/>
+          </a:p>
+        </p:txBody>
+      </p:sp>
+      <p:sp>
+        <p:nvSpPr>
+          <p:cNvPr id="3" name="Content Placeholder 2">
+            <a:extLst>
+              <a:ext uri="{FF2B5EF4-FFF2-40B4-BE49-F238E27FC236}">
+                <a16:creationId xmlns:a16="http://schemas.microsoft.com/office/drawing/2014/main" id="{894F9090-095C-4920-A128-02592BD07B97}"/>
+              </a:ext>
+            </a:extLst>
+          </p:cNvPr>
+          <p:cNvSpPr>
+            <a:spLocks noGrp="1"/>
+          </p:cNvSpPr>
+          <p:nvPr>
+            <p:ph idx="1"/>
+          </p:nvPr>
+        </p:nvSpPr>
+        <p:spPr/>
+        <p:txBody>
+          <a:bodyPr/>
+          <a:lstStyle/>
+          <a:p>
+            <a:r>
+              <a:rPr lang="nb-NO" dirty="0"/>
+              <a:t>Major part </a:t>
+            </a:r>
+            <a:r>
+              <a:rPr lang="nb-NO" dirty="0" err="1"/>
+              <a:t>of</a:t>
+            </a:r>
+            <a:r>
+              <a:rPr lang="nb-NO" dirty="0"/>
+              <a:t> 2013 Geilo Winter School </a:t>
+            </a:r>
+            <a:r>
+              <a:rPr lang="nb-NO" dirty="0" err="1"/>
+              <a:t>on</a:t>
+            </a:r>
+            <a:r>
+              <a:rPr lang="nb-NO" dirty="0"/>
+              <a:t> </a:t>
+            </a:r>
+            <a:r>
+              <a:rPr lang="nb-NO" dirty="0" err="1"/>
+              <a:t>Reproducible</a:t>
+            </a:r>
+            <a:r>
+              <a:rPr lang="nb-NO" dirty="0"/>
+              <a:t> Research</a:t>
+            </a:r>
+          </a:p>
+          <a:p>
+            <a:endParaRPr lang="nb-NO" dirty="0"/>
+          </a:p>
+          <a:p>
+            <a:r>
+              <a:rPr lang="nb-NO" dirty="0"/>
+              <a:t>Makes Python </a:t>
+            </a:r>
+            <a:r>
+              <a:rPr lang="nb-NO" dirty="0" err="1"/>
+              <a:t>interactive</a:t>
+            </a:r>
+            <a:r>
+              <a:rPr lang="nb-NO" dirty="0"/>
+              <a:t> (</a:t>
+            </a:r>
+            <a:r>
+              <a:rPr lang="nb-NO" dirty="0" err="1"/>
+              <a:t>what</a:t>
+            </a:r>
+            <a:r>
+              <a:rPr lang="nb-NO" dirty="0"/>
+              <a:t> Julien is </a:t>
+            </a:r>
+            <a:r>
+              <a:rPr lang="nb-NO" dirty="0" err="1"/>
+              <a:t>using</a:t>
+            </a:r>
+            <a:r>
+              <a:rPr lang="nb-NO" dirty="0"/>
+              <a:t>) </a:t>
+            </a:r>
+          </a:p>
+          <a:p>
+            <a:endParaRPr lang="nb-NO" dirty="0"/>
+          </a:p>
+          <a:p>
+            <a:r>
+              <a:rPr lang="nb-NO" dirty="0"/>
+              <a:t>REPL </a:t>
+            </a:r>
+            <a:r>
+              <a:rPr lang="nb-NO" dirty="0" err="1"/>
+              <a:t>environment</a:t>
+            </a:r>
+            <a:br>
+              <a:rPr lang="nb-NO" dirty="0"/>
+            </a:br>
+            <a:r>
+              <a:rPr lang="nb-NO" dirty="0"/>
+              <a:t>Read-</a:t>
+            </a:r>
+            <a:r>
+              <a:rPr lang="nb-NO" dirty="0" err="1"/>
+              <a:t>Eval</a:t>
+            </a:r>
+            <a:r>
+              <a:rPr lang="nb-NO" dirty="0"/>
+              <a:t>-</a:t>
+            </a:r>
+            <a:r>
+              <a:rPr lang="nb-NO" dirty="0" err="1"/>
+              <a:t>Print</a:t>
+            </a:r>
+            <a:r>
+              <a:rPr lang="nb-NO" dirty="0"/>
+              <a:t>-loop</a:t>
+            </a:r>
+          </a:p>
+          <a:p>
+            <a:endParaRPr lang="nb-NO" dirty="0"/>
+          </a:p>
+          <a:p>
+            <a:r>
+              <a:rPr lang="nb-NO" dirty="0"/>
+              <a:t>Interactive prototyping </a:t>
+            </a:r>
+            <a:r>
+              <a:rPr lang="nb-NO" dirty="0" err="1"/>
+              <a:t>workbench</a:t>
+            </a:r>
+            <a:endParaRPr lang="nb-NO" dirty="0"/>
+          </a:p>
+        </p:txBody>
+      </p:sp>
+      <p:sp>
+        <p:nvSpPr>
+          <p:cNvPr id="4" name="Slide Number Placeholder 3">
+            <a:extLst>
+              <a:ext uri="{FF2B5EF4-FFF2-40B4-BE49-F238E27FC236}">
+                <a16:creationId xmlns:a16="http://schemas.microsoft.com/office/drawing/2014/main" id="{933E9F91-E76E-4BF4-A203-25D9A11C2075}"/>
+              </a:ext>
+            </a:extLst>
+          </p:cNvPr>
+          <p:cNvSpPr>
+            <a:spLocks noGrp="1"/>
+          </p:cNvSpPr>
+          <p:nvPr>
+            <p:ph type="sldNum" sz="quarter" idx="12"/>
+          </p:nvPr>
+        </p:nvSpPr>
+        <p:spPr/>
+        <p:txBody>
+          <a:bodyPr/>
+          <a:lstStyle/>
+          <a:p>
+            <a:fld id="{5751DFAA-887F-4071-8EAD-E8CA316FCF06}" type="slidenum">
+              <a:rPr lang="nb-NO" smtClean="0"/>
+              <a:t>13</a:t>
+            </a:fld>
+            <a:endParaRPr lang="nb-NO"/>
+          </a:p>
+        </p:txBody>
+      </p:sp>
+    </p:spTree>
+    <p:extLst>
+      <p:ext uri="{BB962C8B-B14F-4D97-AF65-F5344CB8AC3E}">
+        <p14:creationId xmlns:p14="http://schemas.microsoft.com/office/powerpoint/2010/main" val="1975005177"/>
+      </p:ext>
+    </p:extLst>
+  </p:cSld>
+  <p:clrMapOvr>
+    <a:masterClrMapping/>
+  </p:clrMapOvr>
+</p:sld>
+</file>
+
+<file path=ppt/slides/slide14.xml><?xml version="1.0" encoding="utf-8"?>
+<p:sld xmlns:a="http://schemas.openxmlformats.org/drawingml/2006/main" xmlns:r="http://schemas.openxmlformats.org/officeDocument/2006/relationships" xmlns:p="http://schemas.openxmlformats.org/presentationml/2006/main">
+  <p:cSld>
+    <p:spTree>
+      <p:nvGrpSpPr>
+        <p:cNvPr id="1" name=""/>
+        <p:cNvGrpSpPr/>
+        <p:nvPr/>
+      </p:nvGrpSpPr>
+      <p:grpSpPr>
+        <a:xfrm>
+          <a:off x="0" y="0"/>
+          <a:ext cx="0" cy="0"/>
+          <a:chOff x="0" y="0"/>
+          <a:chExt cx="0" cy="0"/>
+        </a:xfrm>
+      </p:grpSpPr>
+      <p:sp>
+        <p:nvSpPr>
+          <p:cNvPr id="2" name="Title 1">
+            <a:extLst>
+              <a:ext uri="{FF2B5EF4-FFF2-40B4-BE49-F238E27FC236}">
+                <a16:creationId xmlns:a16="http://schemas.microsoft.com/office/drawing/2014/main" id="{ABA0E933-4003-4C65-A78F-65E407EF15FB}"/>
+              </a:ext>
+            </a:extLst>
+          </p:cNvPr>
+          <p:cNvSpPr>
+            <a:spLocks noGrp="1"/>
+          </p:cNvSpPr>
+          <p:nvPr>
+            <p:ph type="title"/>
+          </p:nvPr>
+        </p:nvSpPr>
+        <p:spPr/>
+        <p:txBody>
+          <a:bodyPr/>
+          <a:lstStyle/>
+          <a:p>
+            <a:r>
+              <a:rPr lang="nb-NO" dirty="0" err="1"/>
+              <a:t>Exercise</a:t>
+            </a:r>
+            <a:r>
+              <a:rPr lang="nb-NO" dirty="0"/>
+              <a:t> 1: Plot unit </a:t>
+            </a:r>
+            <a:r>
+              <a:rPr lang="nb-NO" dirty="0" err="1"/>
+              <a:t>circle</a:t>
+            </a:r>
+            <a:endParaRPr lang="en-US" dirty="0"/>
+          </a:p>
+        </p:txBody>
+      </p:sp>
+      <p:sp>
+        <p:nvSpPr>
+          <p:cNvPr id="3" name="Content Placeholder 2">
+            <a:extLst>
+              <a:ext uri="{FF2B5EF4-FFF2-40B4-BE49-F238E27FC236}">
+                <a16:creationId xmlns:a16="http://schemas.microsoft.com/office/drawing/2014/main" id="{C583B6BF-773E-46E2-A2B0-0D1FDB05E343}"/>
+              </a:ext>
+            </a:extLst>
+          </p:cNvPr>
+          <p:cNvSpPr>
+            <a:spLocks noGrp="1"/>
+          </p:cNvSpPr>
+          <p:nvPr>
+            <p:ph idx="1"/>
+          </p:nvPr>
+        </p:nvSpPr>
+        <p:spPr>
+          <a:xfrm>
+            <a:off x="954182" y="1814608"/>
+            <a:ext cx="9001711" cy="4306159"/>
+          </a:xfrm>
+        </p:spPr>
+        <p:txBody>
+          <a:bodyPr/>
+          <a:lstStyle/>
+          <a:p>
+            <a:r>
+              <a:rPr lang="nb-NO" dirty="0"/>
+              <a:t>Unit </a:t>
+            </a:r>
+            <a:r>
+              <a:rPr lang="nb-NO" dirty="0" err="1"/>
+              <a:t>circle</a:t>
+            </a:r>
+            <a:r>
+              <a:rPr lang="nb-NO" dirty="0"/>
+              <a:t>: y = +/- </a:t>
+            </a:r>
+            <a:r>
+              <a:rPr lang="nb-NO" dirty="0" err="1"/>
+              <a:t>sqrt</a:t>
+            </a:r>
+            <a:r>
+              <a:rPr lang="nb-NO" dirty="0"/>
+              <a:t>(1 – x^2)</a:t>
+            </a:r>
+          </a:p>
+          <a:p>
+            <a:endParaRPr lang="nb-NO" dirty="0"/>
+          </a:p>
+          <a:p>
+            <a:r>
+              <a:rPr lang="nb-NO" dirty="0"/>
+              <a:t>import </a:t>
+            </a:r>
+            <a:r>
+              <a:rPr lang="nb-NO" dirty="0" err="1"/>
+              <a:t>numpy</a:t>
+            </a:r>
+            <a:r>
+              <a:rPr lang="nb-NO" dirty="0"/>
+              <a:t> as </a:t>
+            </a:r>
+            <a:r>
+              <a:rPr lang="nb-NO" dirty="0" err="1"/>
+              <a:t>np</a:t>
+            </a:r>
+            <a:br>
+              <a:rPr lang="en-US" dirty="0"/>
+            </a:br>
+            <a:r>
+              <a:rPr lang="en-US" dirty="0"/>
+              <a:t>from matplotlib import </a:t>
+            </a:r>
+            <a:r>
+              <a:rPr lang="en-US" dirty="0" err="1"/>
+              <a:t>pyplot</a:t>
+            </a:r>
+            <a:r>
+              <a:rPr lang="en-US" dirty="0"/>
+              <a:t> as </a:t>
+            </a:r>
+            <a:r>
+              <a:rPr lang="en-US" dirty="0" err="1"/>
+              <a:t>plt</a:t>
+            </a:r>
+            <a:endParaRPr lang="nb-NO" dirty="0"/>
+          </a:p>
+          <a:p>
+            <a:r>
+              <a:rPr lang="nb-NO" dirty="0"/>
+              <a:t>G</a:t>
+            </a:r>
+            <a:r>
+              <a:rPr lang="en-US" dirty="0" err="1"/>
+              <a:t>enerate</a:t>
+            </a:r>
+            <a:r>
+              <a:rPr lang="en-US" dirty="0"/>
+              <a:t> </a:t>
+            </a:r>
+            <a:r>
+              <a:rPr lang="nb-NO" dirty="0"/>
+              <a:t>x as a linear </a:t>
+            </a:r>
+            <a:r>
+              <a:rPr lang="nb-NO" dirty="0" err="1"/>
+              <a:t>space</a:t>
+            </a:r>
+            <a:r>
+              <a:rPr lang="nb-NO" dirty="0"/>
+              <a:t> (</a:t>
+            </a:r>
+            <a:r>
+              <a:rPr lang="nb-NO" dirty="0" err="1"/>
+              <a:t>linspace</a:t>
+            </a:r>
+            <a:r>
+              <a:rPr lang="nb-NO" dirty="0"/>
+              <a:t>) in </a:t>
+            </a:r>
+            <a:r>
+              <a:rPr lang="nb-NO" dirty="0" err="1"/>
+              <a:t>numpy</a:t>
+            </a:r>
+            <a:endParaRPr lang="nb-NO" dirty="0"/>
+          </a:p>
+          <a:p>
+            <a:r>
+              <a:rPr lang="nb-NO" dirty="0" err="1"/>
+              <a:t>Use</a:t>
+            </a:r>
+            <a:r>
+              <a:rPr lang="nb-NO" dirty="0"/>
+              <a:t> </a:t>
+            </a:r>
+            <a:r>
+              <a:rPr lang="nb-NO" dirty="0" err="1"/>
+              <a:t>sqrt</a:t>
+            </a:r>
+            <a:r>
+              <a:rPr lang="nb-NO" dirty="0"/>
+              <a:t> from </a:t>
+            </a:r>
+            <a:r>
+              <a:rPr lang="nb-NO" dirty="0" err="1"/>
+              <a:t>numpy</a:t>
+            </a:r>
+            <a:r>
+              <a:rPr lang="nb-NO" dirty="0"/>
+              <a:t> to </a:t>
+            </a:r>
+            <a:r>
+              <a:rPr lang="nb-NO" dirty="0" err="1"/>
+              <a:t>generate</a:t>
+            </a:r>
+            <a:r>
+              <a:rPr lang="nb-NO" dirty="0"/>
+              <a:t> y</a:t>
+            </a:r>
+          </a:p>
+          <a:p>
+            <a:r>
+              <a:rPr lang="nb-NO" dirty="0" err="1"/>
+              <a:t>Use</a:t>
+            </a:r>
+            <a:r>
+              <a:rPr lang="nb-NO" dirty="0"/>
+              <a:t> </a:t>
+            </a:r>
+            <a:r>
+              <a:rPr lang="nb-NO" dirty="0" err="1"/>
+              <a:t>plt.plot</a:t>
+            </a:r>
+            <a:r>
+              <a:rPr lang="nb-NO" dirty="0"/>
+              <a:t>(x, y, 'r.-') to plot</a:t>
+            </a:r>
+          </a:p>
+          <a:p>
+            <a:endParaRPr lang="nb-NO" dirty="0"/>
+          </a:p>
+          <a:p>
+            <a:r>
+              <a:rPr lang="nb-NO" dirty="0" err="1"/>
+              <a:t>Use</a:t>
+            </a:r>
+            <a:r>
+              <a:rPr lang="nb-NO" dirty="0"/>
+              <a:t> </a:t>
+            </a:r>
+            <a:r>
+              <a:rPr lang="nb-NO" dirty="0" err="1"/>
+              <a:t>question</a:t>
+            </a:r>
+            <a:r>
+              <a:rPr lang="nb-NO" dirty="0"/>
+              <a:t> mark (?) to </a:t>
+            </a:r>
+            <a:r>
+              <a:rPr lang="nb-NO" dirty="0" err="1"/>
+              <a:t>get</a:t>
+            </a:r>
+            <a:r>
+              <a:rPr lang="nb-NO" dirty="0"/>
+              <a:t> </a:t>
+            </a:r>
+            <a:r>
+              <a:rPr lang="nb-NO" dirty="0" err="1"/>
+              <a:t>help</a:t>
+            </a:r>
+            <a:r>
+              <a:rPr lang="nb-NO" dirty="0"/>
+              <a:t> </a:t>
+            </a:r>
+            <a:r>
+              <a:rPr lang="nb-NO" dirty="0" err="1"/>
+              <a:t>on</a:t>
+            </a:r>
+            <a:r>
+              <a:rPr lang="nb-NO" dirty="0"/>
+              <a:t> </a:t>
+            </a:r>
+            <a:r>
+              <a:rPr lang="nb-NO" dirty="0" err="1"/>
+              <a:t>commands</a:t>
+            </a:r>
+            <a:r>
+              <a:rPr lang="nb-NO" dirty="0"/>
+              <a:t>!</a:t>
+            </a:r>
+            <a:endParaRPr lang="en-US" dirty="0"/>
+          </a:p>
+          <a:p>
+            <a:r>
+              <a:rPr lang="nb-NO" dirty="0"/>
+              <a:t>A</a:t>
+            </a:r>
+            <a:r>
+              <a:rPr lang="en-US" dirty="0"/>
+              <a:t>dd legend, change plot color, line type, add marker</a:t>
+            </a:r>
+            <a:endParaRPr lang="nb-NO" dirty="0"/>
+          </a:p>
+        </p:txBody>
+      </p:sp>
+      <p:sp>
+        <p:nvSpPr>
+          <p:cNvPr id="4" name="Slide Number Placeholder 3">
+            <a:extLst>
+              <a:ext uri="{FF2B5EF4-FFF2-40B4-BE49-F238E27FC236}">
+                <a16:creationId xmlns:a16="http://schemas.microsoft.com/office/drawing/2014/main" id="{4227C80A-38F8-4C75-9527-38D83DE08B73}"/>
+              </a:ext>
+            </a:extLst>
+          </p:cNvPr>
+          <p:cNvSpPr>
+            <a:spLocks noGrp="1"/>
+          </p:cNvSpPr>
+          <p:nvPr>
+            <p:ph type="sldNum" sz="quarter" idx="12"/>
+          </p:nvPr>
+        </p:nvSpPr>
+        <p:spPr/>
+        <p:txBody>
+          <a:bodyPr/>
+          <a:lstStyle/>
+          <a:p>
+            <a:fld id="{5751DFAA-887F-4071-8EAD-E8CA316FCF06}" type="slidenum">
+              <a:rPr lang="nb-NO" smtClean="0"/>
+              <a:t>14</a:t>
+            </a:fld>
+            <a:endParaRPr lang="nb-NO"/>
+          </a:p>
+        </p:txBody>
+      </p:sp>
+    </p:spTree>
+    <p:extLst>
+      <p:ext uri="{BB962C8B-B14F-4D97-AF65-F5344CB8AC3E}">
+        <p14:creationId xmlns:p14="http://schemas.microsoft.com/office/powerpoint/2010/main" val="2291048182"/>
+      </p:ext>
+    </p:extLst>
+  </p:cSld>
+  <p:clrMapOvr>
+    <a:masterClrMapping/>
+  </p:clrMapOvr>
+</p:sld>
+</file>
+
+<file path=ppt/slides/slide15.xml><?xml version="1.0" encoding="utf-8"?>
+<p:sld xmlns:a="http://schemas.openxmlformats.org/drawingml/2006/main" xmlns:r="http://schemas.openxmlformats.org/officeDocument/2006/relationships" xmlns:p="http://schemas.openxmlformats.org/presentationml/2006/main">
+  <p:cSld>
+    <p:spTree>
+      <p:nvGrpSpPr>
+        <p:cNvPr id="1" name=""/>
+        <p:cNvGrpSpPr/>
+        <p:nvPr/>
+      </p:nvGrpSpPr>
+      <p:grpSpPr>
+        <a:xfrm>
+          <a:off x="0" y="0"/>
+          <a:ext cx="0" cy="0"/>
+          <a:chOff x="0" y="0"/>
+          <a:chExt cx="0" cy="0"/>
+        </a:xfrm>
+      </p:grpSpPr>
+      <p:sp>
+        <p:nvSpPr>
+          <p:cNvPr id="2" name="Title 1">
+            <a:extLst>
+              <a:ext uri="{FF2B5EF4-FFF2-40B4-BE49-F238E27FC236}">
                 <a16:creationId xmlns:a16="http://schemas.microsoft.com/office/drawing/2014/main" id="{3ABEFB92-D609-4147-B04D-91C261B14BC4}"/>
               </a:ext>
             </a:extLst>
@@ -10202,7 +10623,7 @@
           <a:p>
             <a:fld id="{5751DFAA-887F-4071-8EAD-E8CA316FCF06}" type="slidenum">
               <a:rPr lang="nb-NO" smtClean="0"/>
-              <a:t>13</a:t>
+              <a:t>15</a:t>
             </a:fld>
             <a:endParaRPr lang="nb-NO"/>
           </a:p>
@@ -10456,7 +10877,7 @@
 </p:sld>
 </file>
 
-<file path=ppt/slides/slide14.xml><?xml version="1.0" encoding="utf-8"?>
+<file path=ppt/slides/slide16.xml><?xml version="1.0" encoding="utf-8"?>
 <p:sld xmlns:a="http://schemas.openxmlformats.org/drawingml/2006/main" xmlns:r="http://schemas.openxmlformats.org/officeDocument/2006/relationships" xmlns:p="http://schemas.openxmlformats.org/presentationml/2006/main">
   <p:cSld>
     <p:spTree>
@@ -11623,6 +12044,25 @@
       </p:grpSpPr>
       <p:sp>
         <p:nvSpPr>
+          <p:cNvPr id="2" name="Content Placeholder 1"/>
+          <p:cNvSpPr>
+            <a:spLocks noGrp="1"/>
+          </p:cNvSpPr>
+          <p:nvPr>
+            <p:ph sz="quarter" idx="14"/>
+          </p:nvPr>
+        </p:nvSpPr>
+        <p:spPr/>
+        <p:txBody>
+          <a:bodyPr/>
+          <a:lstStyle/>
+          <a:p>
+            <a:endParaRPr lang="en-GB"/>
+          </a:p>
+        </p:txBody>
+      </p:sp>
+      <p:sp>
+        <p:nvSpPr>
           <p:cNvPr id="3" name="Slide Number Placeholder 2"/>
           <p:cNvSpPr>
             <a:spLocks noGrp="1"/>
@@ -11640,6 +12080,146 @@
               <a:rPr lang="en-GB" noProof="0" smtClean="0"/>
               <a:pPr/>
               <a:t>5</a:t>
+            </a:fld>
+            <a:endParaRPr lang="en-GB" noProof="0"/>
+          </a:p>
+        </p:txBody>
+      </p:sp>
+      <p:sp>
+        <p:nvSpPr>
+          <p:cNvPr id="4" name="Text Placeholder 3"/>
+          <p:cNvSpPr>
+            <a:spLocks noGrp="1"/>
+          </p:cNvSpPr>
+          <p:nvPr>
+            <p:ph type="body" idx="22"/>
+          </p:nvPr>
+        </p:nvSpPr>
+        <p:spPr/>
+        <p:txBody>
+          <a:bodyPr/>
+          <a:lstStyle/>
+          <a:p>
+            <a:r>
+              <a:rPr lang="en-GB" dirty="0"/>
+              <a:t>Making up data</a:t>
+            </a:r>
+          </a:p>
+        </p:txBody>
+      </p:sp>
+      <p:pic>
+        <p:nvPicPr>
+          <p:cNvPr id="5" name="Picture 2"/>
+          <p:cNvPicPr>
+            <a:picLocks noChangeAspect="1" noChangeArrowheads="1"/>
+          </p:cNvPicPr>
+          <p:nvPr/>
+        </p:nvPicPr>
+        <p:blipFill>
+          <a:blip r:embed="rId2">
+            <a:extLst>
+              <a:ext uri="{28A0092B-C50C-407E-A947-70E740481C1C}">
+                <a14:useLocalDpi xmlns:a14="http://schemas.microsoft.com/office/drawing/2010/main" val="0"/>
+              </a:ext>
+            </a:extLst>
+          </a:blip>
+          <a:srcRect/>
+          <a:stretch>
+            <a:fillRect/>
+          </a:stretch>
+        </p:blipFill>
+        <p:spPr bwMode="auto">
+          <a:xfrm>
+            <a:off x="1712902" y="1916833"/>
+            <a:ext cx="8766196" cy="3024336"/>
+          </a:xfrm>
+          <a:prstGeom prst="rect">
+            <a:avLst/>
+          </a:prstGeom>
+          <a:noFill/>
+          <a:ln>
+            <a:noFill/>
+          </a:ln>
+          <a:effectLst/>
+          <a:extLst>
+            <a:ext uri="{909E8E84-426E-40DD-AFC4-6F175D3DCCD1}">
+              <a14:hiddenFill xmlns:a14="http://schemas.microsoft.com/office/drawing/2010/main">
+                <a:solidFill>
+                  <a:schemeClr val="accent1"/>
+                </a:solidFill>
+              </a14:hiddenFill>
+            </a:ext>
+            <a:ext uri="{91240B29-F687-4F45-9708-019B960494DF}">
+              <a14:hiddenLine xmlns:a14="http://schemas.microsoft.com/office/drawing/2010/main" w="9525">
+                <a:solidFill>
+                  <a:schemeClr val="tx1"/>
+                </a:solidFill>
+                <a:miter lim="800000"/>
+                <a:headEnd/>
+                <a:tailEnd/>
+              </a14:hiddenLine>
+            </a:ext>
+            <a:ext uri="{AF507438-7753-43E0-B8FC-AC1667EBCBE1}">
+              <a14:hiddenEffects xmlns:a14="http://schemas.microsoft.com/office/drawing/2010/main">
+                <a:effectLst>
+                  <a:outerShdw dist="35921" dir="2700000" algn="ctr" rotWithShape="0">
+                    <a:schemeClr val="bg2"/>
+                  </a:outerShdw>
+                </a:effectLst>
+              </a14:hiddenEffects>
+            </a:ext>
+          </a:extLst>
+        </p:spPr>
+      </p:pic>
+    </p:spTree>
+    <p:extLst>
+      <p:ext uri="{BB962C8B-B14F-4D97-AF65-F5344CB8AC3E}">
+        <p14:creationId xmlns:p14="http://schemas.microsoft.com/office/powerpoint/2010/main" val="1217181091"/>
+      </p:ext>
+    </p:extLst>
+  </p:cSld>
+  <p:clrMapOvr>
+    <a:masterClrMapping/>
+  </p:clrMapOvr>
+</p:sld>
+</file>
+
+<file path=ppt/slides/slide6.xml><?xml version="1.0" encoding="utf-8"?>
+<p:sld xmlns:a="http://schemas.openxmlformats.org/drawingml/2006/main" xmlns:r="http://schemas.openxmlformats.org/officeDocument/2006/relationships" xmlns:p="http://schemas.openxmlformats.org/presentationml/2006/main">
+  <p:cSld>
+    <p:spTree>
+      <p:nvGrpSpPr>
+        <p:cNvPr id="1" name=""/>
+        <p:cNvGrpSpPr/>
+        <p:nvPr/>
+      </p:nvGrpSpPr>
+      <p:grpSpPr>
+        <a:xfrm>
+          <a:off x="0" y="0"/>
+          <a:ext cx="0" cy="0"/>
+          <a:chOff x="0" y="0"/>
+          <a:chExt cx="0" cy="0"/>
+        </a:xfrm>
+      </p:grpSpPr>
+      <p:sp>
+        <p:nvSpPr>
+          <p:cNvPr id="3" name="Slide Number Placeholder 2"/>
+          <p:cNvSpPr>
+            <a:spLocks noGrp="1"/>
+          </p:cNvSpPr>
+          <p:nvPr>
+            <p:ph type="sldNum" sz="quarter" idx="21"/>
+          </p:nvPr>
+        </p:nvSpPr>
+        <p:spPr/>
+        <p:txBody>
+          <a:bodyPr/>
+          <a:lstStyle/>
+          <a:p>
+            <a:fld id="{17A9B3F3-0CDD-4032-910D-70E772557002}" type="slidenum">
+              <a:rPr lang="en-GB" noProof="0" smtClean="0"/>
+              <a:pPr/>
+              <a:t>6</a:t>
             </a:fld>
             <a:endParaRPr lang="en-GB" noProof="0"/>
           </a:p>
@@ -11997,7 +12577,7 @@
 </p:sld>
 </file>
 
-<file path=ppt/slides/slide6.xml><?xml version="1.0" encoding="utf-8"?>
+<file path=ppt/slides/slide7.xml><?xml version="1.0" encoding="utf-8"?>
 <p:sld xmlns:a="http://schemas.openxmlformats.org/drawingml/2006/main" xmlns:r="http://schemas.openxmlformats.org/officeDocument/2006/relationships" xmlns:p="http://schemas.openxmlformats.org/presentationml/2006/main">
   <p:cSld>
     <p:spTree>
@@ -12024,6 +12604,165 @@
             <p:ph sz="quarter" idx="14"/>
           </p:nvPr>
         </p:nvSpPr>
+        <p:spPr/>
+        <p:txBody>
+          <a:bodyPr/>
+          <a:lstStyle/>
+          <a:p>
+            <a:endParaRPr lang="en-GB"/>
+          </a:p>
+        </p:txBody>
+      </p:sp>
+      <p:sp>
+        <p:nvSpPr>
+          <p:cNvPr id="3" name="Slide Number Placeholder 2"/>
+          <p:cNvSpPr>
+            <a:spLocks noGrp="1"/>
+          </p:cNvSpPr>
+          <p:nvPr>
+            <p:ph type="sldNum" sz="quarter" idx="21"/>
+          </p:nvPr>
+        </p:nvSpPr>
+        <p:spPr/>
+        <p:txBody>
+          <a:bodyPr/>
+          <a:lstStyle/>
+          <a:p>
+            <a:fld id="{17A9B3F3-0CDD-4032-910D-70E772557002}" type="slidenum">
+              <a:rPr lang="en-GB" noProof="0" smtClean="0"/>
+              <a:pPr/>
+              <a:t>7</a:t>
+            </a:fld>
+            <a:endParaRPr lang="en-GB" noProof="0"/>
+          </a:p>
+        </p:txBody>
+      </p:sp>
+      <p:sp>
+        <p:nvSpPr>
+          <p:cNvPr id="4" name="Text Placeholder 3"/>
+          <p:cNvSpPr>
+            <a:spLocks noGrp="1"/>
+          </p:cNvSpPr>
+          <p:nvPr>
+            <p:ph type="body" idx="22"/>
+          </p:nvPr>
+        </p:nvSpPr>
+        <p:spPr/>
+        <p:txBody>
+          <a:bodyPr/>
+          <a:lstStyle/>
+          <a:p>
+            <a:r>
+              <a:rPr lang="en-GB" dirty="0"/>
+              <a:t>Making up data</a:t>
+            </a:r>
+          </a:p>
+        </p:txBody>
+      </p:sp>
+      <p:pic>
+        <p:nvPicPr>
+          <p:cNvPr id="5" name="Picture 5"/>
+          <p:cNvPicPr>
+            <a:picLocks noChangeAspect="1" noChangeArrowheads="1"/>
+          </p:cNvPicPr>
+          <p:nvPr/>
+        </p:nvPicPr>
+        <p:blipFill>
+          <a:blip r:embed="rId2">
+            <a:extLst>
+              <a:ext uri="{28A0092B-C50C-407E-A947-70E740481C1C}">
+                <a14:useLocalDpi xmlns:a14="http://schemas.microsoft.com/office/drawing/2010/main" val="0"/>
+              </a:ext>
+            </a:extLst>
+          </a:blip>
+          <a:srcRect/>
+          <a:stretch>
+            <a:fillRect/>
+          </a:stretch>
+        </p:blipFill>
+        <p:spPr bwMode="auto">
+          <a:xfrm>
+            <a:off x="1676286" y="2060849"/>
+            <a:ext cx="8839428" cy="2748508"/>
+          </a:xfrm>
+          <a:prstGeom prst="rect">
+            <a:avLst/>
+          </a:prstGeom>
+          <a:noFill/>
+          <a:ln>
+            <a:noFill/>
+          </a:ln>
+          <a:effectLst/>
+          <a:extLst>
+            <a:ext uri="{909E8E84-426E-40DD-AFC4-6F175D3DCCD1}">
+              <a14:hiddenFill xmlns:a14="http://schemas.microsoft.com/office/drawing/2010/main">
+                <a:solidFill>
+                  <a:schemeClr val="accent1"/>
+                </a:solidFill>
+              </a14:hiddenFill>
+            </a:ext>
+            <a:ext uri="{91240B29-F687-4F45-9708-019B960494DF}">
+              <a14:hiddenLine xmlns:a14="http://schemas.microsoft.com/office/drawing/2010/main" w="9525">
+                <a:solidFill>
+                  <a:schemeClr val="tx1"/>
+                </a:solidFill>
+                <a:miter lim="800000"/>
+                <a:headEnd/>
+                <a:tailEnd/>
+              </a14:hiddenLine>
+            </a:ext>
+            <a:ext uri="{AF507438-7753-43E0-B8FC-AC1667EBCBE1}">
+              <a14:hiddenEffects xmlns:a14="http://schemas.microsoft.com/office/drawing/2010/main">
+                <a:effectLst>
+                  <a:outerShdw dist="35921" dir="2700000" algn="ctr" rotWithShape="0">
+                    <a:schemeClr val="bg2"/>
+                  </a:outerShdw>
+                </a:effectLst>
+              </a14:hiddenEffects>
+            </a:ext>
+          </a:extLst>
+        </p:spPr>
+      </p:pic>
+    </p:spTree>
+    <p:extLst>
+      <p:ext uri="{BB962C8B-B14F-4D97-AF65-F5344CB8AC3E}">
+        <p14:creationId xmlns:p14="http://schemas.microsoft.com/office/powerpoint/2010/main" val="1030922238"/>
+      </p:ext>
+    </p:extLst>
+  </p:cSld>
+  <p:clrMapOvr>
+    <a:masterClrMapping/>
+  </p:clrMapOvr>
+</p:sld>
+</file>
+
+<file path=ppt/slides/slide8.xml><?xml version="1.0" encoding="utf-8"?>
+<p:sld xmlns:a="http://schemas.openxmlformats.org/drawingml/2006/main" xmlns:r="http://schemas.openxmlformats.org/officeDocument/2006/relationships" xmlns:p="http://schemas.openxmlformats.org/presentationml/2006/main">
+  <p:cSld>
+    <p:spTree>
+      <p:nvGrpSpPr>
+        <p:cNvPr id="1" name=""/>
+        <p:cNvGrpSpPr/>
+        <p:nvPr/>
+      </p:nvGrpSpPr>
+      <p:grpSpPr>
+        <a:xfrm>
+          <a:off x="0" y="0"/>
+          <a:ext cx="0" cy="0"/>
+          <a:chOff x="0" y="0"/>
+          <a:chExt cx="0" cy="0"/>
+        </a:xfrm>
+      </p:grpSpPr>
+      <p:sp>
+        <p:nvSpPr>
+          <p:cNvPr id="2" name="Content Placeholder 1"/>
+          <p:cNvSpPr>
+            <a:spLocks noGrp="1"/>
+          </p:cNvSpPr>
+          <p:nvPr>
+            <p:ph sz="quarter" idx="14"/>
+          </p:nvPr>
+        </p:nvSpPr>
         <p:spPr>
           <a:xfrm>
             <a:off x="1881159" y="4841900"/>
@@ -12076,7 +12815,7 @@
             <a:fld id="{17A9B3F3-0CDD-4032-910D-70E772557002}" type="slidenum">
               <a:rPr lang="en-GB" noProof="0" smtClean="0"/>
               <a:pPr/>
-              <a:t>6</a:t>
+              <a:t>8</a:t>
             </a:fld>
             <a:endParaRPr lang="en-GB" noProof="0"/>
           </a:p>
@@ -12264,7 +13003,7 @@
 </p:sld>
 </file>
 
-<file path=ppt/slides/slide7.xml><?xml version="1.0" encoding="utf-8"?>
+<file path=ppt/slides/slide9.xml><?xml version="1.0" encoding="utf-8"?>
 <p:sld xmlns:a="http://schemas.openxmlformats.org/drawingml/2006/main" xmlns:r="http://schemas.openxmlformats.org/officeDocument/2006/relationships" xmlns:p="http://schemas.openxmlformats.org/presentationml/2006/main">
   <p:cSld>
     <p:spTree>
@@ -12333,7 +13072,7 @@
             <a:fld id="{17A9B3F3-0CDD-4032-910D-70E772557002}" type="slidenum">
               <a:rPr lang="en-GB" noProof="0" smtClean="0"/>
               <a:pPr/>
-              <a:t>7</a:t>
+              <a:t>9</a:t>
             </a:fld>
             <a:endParaRPr lang="en-GB" noProof="0"/>
           </a:p>
@@ -12422,425 +13161,6 @@
     <p:extLst>
       <p:ext uri="{BB962C8B-B14F-4D97-AF65-F5344CB8AC3E}">
         <p14:creationId xmlns:p14="http://schemas.microsoft.com/office/powerpoint/2010/main" val="2474031217"/>
-      </p:ext>
-    </p:extLst>
-  </p:cSld>
-  <p:clrMapOvr>
-    <a:masterClrMapping/>
-  </p:clrMapOvr>
-</p:sld>
-</file>
-
-<file path=ppt/slides/slide8.xml><?xml version="1.0" encoding="utf-8"?>
-<p:sld xmlns:a="http://schemas.openxmlformats.org/drawingml/2006/main" xmlns:r="http://schemas.openxmlformats.org/officeDocument/2006/relationships" xmlns:p="http://schemas.openxmlformats.org/presentationml/2006/main">
-  <p:cSld>
-    <p:spTree>
-      <p:nvGrpSpPr>
-        <p:cNvPr id="1" name=""/>
-        <p:cNvGrpSpPr/>
-        <p:nvPr/>
-      </p:nvGrpSpPr>
-      <p:grpSpPr>
-        <a:xfrm>
-          <a:off x="0" y="0"/>
-          <a:ext cx="0" cy="0"/>
-          <a:chOff x="0" y="0"/>
-          <a:chExt cx="0" cy="0"/>
-        </a:xfrm>
-      </p:grpSpPr>
-      <p:sp>
-        <p:nvSpPr>
-          <p:cNvPr id="2" name="Title 1">
-            <a:extLst>
-              <a:ext uri="{FF2B5EF4-FFF2-40B4-BE49-F238E27FC236}">
-                <a16:creationId xmlns:a16="http://schemas.microsoft.com/office/drawing/2014/main" id="{47CCD851-5711-444B-8D9D-E957DB8FD061}"/>
-              </a:ext>
-            </a:extLst>
-          </p:cNvPr>
-          <p:cNvSpPr>
-            <a:spLocks noGrp="1"/>
-          </p:cNvSpPr>
-          <p:nvPr>
-            <p:ph type="title"/>
-          </p:nvPr>
-        </p:nvSpPr>
-        <p:spPr/>
-        <p:txBody>
-          <a:bodyPr/>
-          <a:lstStyle/>
-          <a:p>
-            <a:r>
-              <a:rPr lang="nb-NO" dirty="0"/>
-              <a:t>Python and </a:t>
-            </a:r>
-            <a:r>
-              <a:rPr lang="nb-NO" dirty="0" err="1"/>
-              <a:t>Jupyter</a:t>
-            </a:r>
-            <a:r>
-              <a:rPr lang="nb-NO" dirty="0"/>
-              <a:t> Notebooks</a:t>
-            </a:r>
-            <a:endParaRPr lang="en-US" dirty="0"/>
-          </a:p>
-        </p:txBody>
-      </p:sp>
-      <p:sp>
-        <p:nvSpPr>
-          <p:cNvPr id="3" name="Content Placeholder 2">
-            <a:extLst>
-              <a:ext uri="{FF2B5EF4-FFF2-40B4-BE49-F238E27FC236}">
-                <a16:creationId xmlns:a16="http://schemas.microsoft.com/office/drawing/2014/main" id="{54FFAEA6-3191-4652-8BBA-8D1623363671}"/>
-              </a:ext>
-            </a:extLst>
-          </p:cNvPr>
-          <p:cNvSpPr>
-            <a:spLocks noGrp="1"/>
-          </p:cNvSpPr>
-          <p:nvPr>
-            <p:ph idx="1"/>
-          </p:nvPr>
-        </p:nvSpPr>
-        <p:spPr/>
-        <p:txBody>
-          <a:bodyPr/>
-          <a:lstStyle/>
-          <a:p>
-            <a:endParaRPr lang="en-US"/>
-          </a:p>
-        </p:txBody>
-      </p:sp>
-      <p:sp>
-        <p:nvSpPr>
-          <p:cNvPr id="4" name="Slide Number Placeholder 3">
-            <a:extLst>
-              <a:ext uri="{FF2B5EF4-FFF2-40B4-BE49-F238E27FC236}">
-                <a16:creationId xmlns:a16="http://schemas.microsoft.com/office/drawing/2014/main" id="{A3BC1274-56A2-46CC-BF07-085255487A45}"/>
-              </a:ext>
-            </a:extLst>
-          </p:cNvPr>
-          <p:cNvSpPr>
-            <a:spLocks noGrp="1"/>
-          </p:cNvSpPr>
-          <p:nvPr>
-            <p:ph type="sldNum" sz="quarter" idx="12"/>
-          </p:nvPr>
-        </p:nvSpPr>
-        <p:spPr/>
-        <p:txBody>
-          <a:bodyPr/>
-          <a:lstStyle/>
-          <a:p>
-            <a:fld id="{5751DFAA-887F-4071-8EAD-E8CA316FCF06}" type="slidenum">
-              <a:rPr lang="nb-NO" smtClean="0"/>
-              <a:t>8</a:t>
-            </a:fld>
-            <a:endParaRPr lang="nb-NO"/>
-          </a:p>
-        </p:txBody>
-      </p:sp>
-    </p:spTree>
-    <p:extLst>
-      <p:ext uri="{BB962C8B-B14F-4D97-AF65-F5344CB8AC3E}">
-        <p14:creationId xmlns:p14="http://schemas.microsoft.com/office/powerpoint/2010/main" val="3722999792"/>
-      </p:ext>
-    </p:extLst>
-  </p:cSld>
-  <p:clrMapOvr>
-    <a:masterClrMapping/>
-  </p:clrMapOvr>
-</p:sld>
-</file>
-
-<file path=ppt/slides/slide9.xml><?xml version="1.0" encoding="utf-8"?>
-<p:sld xmlns:a="http://schemas.openxmlformats.org/drawingml/2006/main" xmlns:r="http://schemas.openxmlformats.org/officeDocument/2006/relationships" xmlns:p="http://schemas.openxmlformats.org/presentationml/2006/main">
-  <p:cSld>
-    <p:spTree>
-      <p:nvGrpSpPr>
-        <p:cNvPr id="1" name=""/>
-        <p:cNvGrpSpPr/>
-        <p:nvPr/>
-      </p:nvGrpSpPr>
-      <p:grpSpPr>
-        <a:xfrm>
-          <a:off x="0" y="0"/>
-          <a:ext cx="0" cy="0"/>
-          <a:chOff x="0" y="0"/>
-          <a:chExt cx="0" cy="0"/>
-        </a:xfrm>
-      </p:grpSpPr>
-      <p:sp>
-        <p:nvSpPr>
-          <p:cNvPr id="2" name="Tittel 1"/>
-          <p:cNvSpPr>
-            <a:spLocks noGrp="1"/>
-          </p:cNvSpPr>
-          <p:nvPr>
-            <p:ph type="title"/>
-          </p:nvPr>
-        </p:nvSpPr>
-        <p:spPr/>
-        <p:txBody>
-          <a:bodyPr/>
-          <a:lstStyle/>
-          <a:p>
-            <a:r>
-              <a:rPr lang="nb-NO" dirty="0"/>
-              <a:t>Python</a:t>
-            </a:r>
-          </a:p>
-        </p:txBody>
-      </p:sp>
-      <p:sp>
-        <p:nvSpPr>
-          <p:cNvPr id="3" name="Plassholder for innhold 2"/>
-          <p:cNvSpPr>
-            <a:spLocks noGrp="1"/>
-          </p:cNvSpPr>
-          <p:nvPr>
-            <p:ph idx="1"/>
-          </p:nvPr>
-        </p:nvSpPr>
-        <p:spPr/>
-        <p:txBody>
-          <a:bodyPr/>
-          <a:lstStyle/>
-          <a:p>
-            <a:r>
-              <a:rPr lang="nb-NO" dirty="0" err="1"/>
-              <a:t>Almost</a:t>
-            </a:r>
-            <a:r>
-              <a:rPr lang="nb-NO" dirty="0"/>
-              <a:t> 30 </a:t>
-            </a:r>
-            <a:r>
-              <a:rPr lang="nb-NO" dirty="0" err="1"/>
-              <a:t>years</a:t>
-            </a:r>
-            <a:r>
-              <a:rPr lang="nb-NO" dirty="0"/>
-              <a:t> old!</a:t>
-            </a:r>
-          </a:p>
-          <a:p>
-            <a:endParaRPr lang="nb-NO" dirty="0"/>
-          </a:p>
-          <a:p>
-            <a:r>
-              <a:rPr lang="nb-NO" dirty="0" err="1"/>
-              <a:t>Two</a:t>
-            </a:r>
-            <a:r>
-              <a:rPr lang="nb-NO" dirty="0"/>
-              <a:t> "</a:t>
-            </a:r>
-            <a:r>
-              <a:rPr lang="nb-NO" dirty="0" err="1"/>
-              <a:t>versions</a:t>
-            </a:r>
-            <a:r>
-              <a:rPr lang="nb-NO" dirty="0"/>
-              <a:t>"</a:t>
-            </a:r>
-          </a:p>
-          <a:p>
-            <a:pPr lvl="1"/>
-            <a:r>
-              <a:rPr lang="nb-NO" dirty="0"/>
-              <a:t>"Jurassic" </a:t>
-            </a:r>
-            <a:r>
-              <a:rPr lang="nb-NO" dirty="0" err="1"/>
-              <a:t>version</a:t>
-            </a:r>
-            <a:r>
-              <a:rPr lang="nb-NO" dirty="0"/>
-              <a:t> 2.7</a:t>
-            </a:r>
-          </a:p>
-          <a:p>
-            <a:pPr lvl="1"/>
-            <a:r>
-              <a:rPr lang="nb-NO" dirty="0" err="1"/>
-              <a:t>Modern</a:t>
-            </a:r>
-            <a:r>
-              <a:rPr lang="nb-NO" dirty="0"/>
-              <a:t> </a:t>
-            </a:r>
-            <a:r>
-              <a:rPr lang="nb-NO" dirty="0" err="1"/>
-              <a:t>version</a:t>
-            </a:r>
-            <a:r>
-              <a:rPr lang="nb-NO" dirty="0"/>
-              <a:t> 3.x</a:t>
-            </a:r>
-          </a:p>
-          <a:p>
-            <a:pPr lvl="1"/>
-            <a:r>
-              <a:rPr lang="nb-NO" dirty="0" err="1"/>
-              <a:t>Mostly</a:t>
-            </a:r>
-            <a:r>
-              <a:rPr lang="nb-NO" dirty="0"/>
-              <a:t> </a:t>
-            </a:r>
-            <a:r>
-              <a:rPr lang="nb-NO" dirty="0" err="1"/>
-              <a:t>compatible</a:t>
-            </a:r>
-            <a:r>
-              <a:rPr lang="nb-NO" dirty="0"/>
-              <a:t> </a:t>
-            </a:r>
-            <a:r>
-              <a:rPr lang="nb-NO" dirty="0" err="1"/>
-              <a:t>with</a:t>
-            </a:r>
-            <a:r>
-              <a:rPr lang="nb-NO" dirty="0"/>
-              <a:t> </a:t>
-            </a:r>
-            <a:r>
-              <a:rPr lang="nb-NO" dirty="0" err="1"/>
-              <a:t>each</a:t>
-            </a:r>
-            <a:r>
-              <a:rPr lang="nb-NO" dirty="0"/>
-              <a:t> </a:t>
-            </a:r>
-            <a:r>
-              <a:rPr lang="nb-NO" dirty="0" err="1"/>
-              <a:t>other</a:t>
-            </a:r>
-            <a:endParaRPr lang="nb-NO" dirty="0"/>
-          </a:p>
-          <a:p>
-            <a:pPr lvl="1"/>
-            <a:endParaRPr lang="nb-NO" dirty="0"/>
-          </a:p>
-          <a:p>
-            <a:r>
-              <a:rPr lang="nb-NO" dirty="0"/>
-              <a:t>Runs </a:t>
-            </a:r>
-            <a:r>
-              <a:rPr lang="nb-NO" dirty="0" err="1"/>
-              <a:t>on</a:t>
-            </a:r>
-            <a:r>
-              <a:rPr lang="nb-NO" dirty="0"/>
-              <a:t> </a:t>
-            </a:r>
-            <a:r>
-              <a:rPr lang="nb-NO" dirty="0" err="1"/>
-              <a:t>everything</a:t>
-            </a:r>
-            <a:r>
-              <a:rPr lang="nb-NO" dirty="0"/>
-              <a:t> from </a:t>
-            </a:r>
-            <a:r>
-              <a:rPr lang="nb-NO" dirty="0" err="1"/>
-              <a:t>cellphones</a:t>
-            </a:r>
-            <a:r>
-              <a:rPr lang="nb-NO" dirty="0"/>
-              <a:t> to supercomputers</a:t>
-            </a:r>
-          </a:p>
-        </p:txBody>
-      </p:sp>
-      <p:sp>
-        <p:nvSpPr>
-          <p:cNvPr id="4" name="Plassholder for lysbildenummer 3"/>
-          <p:cNvSpPr>
-            <a:spLocks noGrp="1"/>
-          </p:cNvSpPr>
-          <p:nvPr>
-            <p:ph type="sldNum" sz="quarter" idx="12"/>
-          </p:nvPr>
-        </p:nvSpPr>
-        <p:spPr/>
-        <p:txBody>
-          <a:bodyPr/>
-          <a:lstStyle/>
-          <a:p>
-            <a:fld id="{5751DFAA-887F-4071-8EAD-E8CA316FCF06}" type="slidenum">
-              <a:rPr lang="nb-NO" smtClean="0"/>
-              <a:t>9</a:t>
-            </a:fld>
-            <a:endParaRPr lang="nb-NO"/>
-          </a:p>
-        </p:txBody>
-      </p:sp>
-      <p:pic>
-        <p:nvPicPr>
-          <p:cNvPr id="5" name="Picture 4">
-            <a:extLst>
-              <a:ext uri="{FF2B5EF4-FFF2-40B4-BE49-F238E27FC236}">
-                <a16:creationId xmlns:a16="http://schemas.microsoft.com/office/drawing/2014/main" id="{A0DB053A-FD8A-4B1E-8AE3-25806DD4CD92}"/>
-              </a:ext>
-            </a:extLst>
-          </p:cNvPr>
-          <p:cNvPicPr>
-            <a:picLocks noChangeAspect="1"/>
-          </p:cNvPicPr>
-          <p:nvPr/>
-        </p:nvPicPr>
-        <p:blipFill>
-          <a:blip r:embed="rId2"/>
-          <a:stretch>
-            <a:fillRect/>
-          </a:stretch>
-        </p:blipFill>
-        <p:spPr>
-          <a:xfrm>
-            <a:off x="8315864" y="749653"/>
-            <a:ext cx="3512321" cy="5371114"/>
-          </a:xfrm>
-          <a:prstGeom prst="rect">
-            <a:avLst/>
-          </a:prstGeom>
-        </p:spPr>
-      </p:pic>
-      <p:pic>
-        <p:nvPicPr>
-          <p:cNvPr id="6" name="Picture 5">
-            <a:extLst>
-              <a:ext uri="{FF2B5EF4-FFF2-40B4-BE49-F238E27FC236}">
-                <a16:creationId xmlns:a16="http://schemas.microsoft.com/office/drawing/2014/main" id="{8069E5D3-3CD2-440C-8218-F6283B0C592F}"/>
-              </a:ext>
-            </a:extLst>
-          </p:cNvPr>
-          <p:cNvPicPr>
-            <a:picLocks noChangeAspect="1"/>
-          </p:cNvPicPr>
-          <p:nvPr/>
-        </p:nvPicPr>
-        <p:blipFill>
-          <a:blip r:embed="rId3"/>
-          <a:stretch>
-            <a:fillRect/>
-          </a:stretch>
-        </p:blipFill>
-        <p:spPr>
-          <a:xfrm>
-            <a:off x="5149970" y="690458"/>
-            <a:ext cx="2286000" cy="1629228"/>
-          </a:xfrm>
-          <a:prstGeom prst="rect">
-            <a:avLst/>
-          </a:prstGeom>
-        </p:spPr>
-      </p:pic>
-    </p:spTree>
-    <p:extLst>
-      <p:ext uri="{BB962C8B-B14F-4D97-AF65-F5344CB8AC3E}">
-        <p14:creationId xmlns:p14="http://schemas.microsoft.com/office/powerpoint/2010/main" val="3818408491"/>
       </p:ext>
     </p:extLst>
   </p:cSld>
